--- a/Day-21-part-2/ccna-notes-ppt.pptx
+++ b/Day-21-part-2/ccna-notes-ppt.pptx
@@ -3784,6 +3784,84 @@
           <a:chExt cx="0" cy="0"/>
         </a:xfrm>
       </p:grpSpPr>
+      <p:pic>
+        <p:nvPicPr>
+          <p:cNvPr id="3" name="Picture 2">
+            <a:extLst>
+              <a:ext uri="{FF2B5EF4-FFF2-40B4-BE49-F238E27FC236}">
+                <a16:creationId xmlns:a16="http://schemas.microsoft.com/office/drawing/2014/main" id="{FAB4CE70-9515-E471-D3C7-A74779143CCC}"/>
+              </a:ext>
+            </a:extLst>
+          </p:cNvPr>
+          <p:cNvPicPr>
+            <a:picLocks noChangeAspect="1"/>
+          </p:cNvPicPr>
+          <p:nvPr/>
+        </p:nvPicPr>
+        <p:blipFill>
+          <a:blip r:embed="rId2"/>
+          <a:stretch>
+            <a:fillRect/>
+          </a:stretch>
+        </p:blipFill>
+        <p:spPr>
+          <a:xfrm>
+            <a:off x="109971" y="94961"/>
+            <a:ext cx="11972057" cy="6668078"/>
+          </a:xfrm>
+          <a:prstGeom prst="rect">
+            <a:avLst/>
+          </a:prstGeom>
+        </p:spPr>
+      </p:pic>
+      <p:sp>
+        <p:nvSpPr>
+          <p:cNvPr id="4" name="Rectangle 3">
+            <a:extLst>
+              <a:ext uri="{FF2B5EF4-FFF2-40B4-BE49-F238E27FC236}">
+                <a16:creationId xmlns:a16="http://schemas.microsoft.com/office/drawing/2014/main" id="{BFAD79FE-017A-9A7D-AFAB-195A1907EB5F}"/>
+              </a:ext>
+            </a:extLst>
+          </p:cNvPr>
+          <p:cNvSpPr/>
+          <p:nvPr/>
+        </p:nvSpPr>
+        <p:spPr>
+          <a:xfrm>
+            <a:off x="5217212" y="5376306"/>
+            <a:ext cx="1492716" cy="923330"/>
+          </a:xfrm>
+          <a:prstGeom prst="rect">
+            <a:avLst/>
+          </a:prstGeom>
+          <a:noFill/>
+        </p:spPr>
+        <p:txBody>
+          <a:bodyPr wrap="none" lIns="91440" tIns="45720" rIns="91440" bIns="45720">
+            <a:spAutoFit/>
+          </a:bodyPr>
+          <a:lstStyle/>
+          <a:p>
+            <a:pPr algn="ctr"/>
+            <a:r>
+              <a:rPr lang="en-US" sz="5400" b="0" cap="none" spc="0" dirty="0">
+                <a:ln w="0"/>
+                <a:solidFill>
+                  <a:schemeClr val="tx1"/>
+                </a:solidFill>
+                <a:effectLst>
+                  <a:outerShdw blurRad="38100" dist="19050" dir="2700000" algn="tl" rotWithShape="0">
+                    <a:schemeClr val="dk1">
+                      <a:alpha val="40000"/>
+                    </a:schemeClr>
+                  </a:outerShdw>
+                </a:effectLst>
+              </a:rPr>
+              <a:t>7:19</a:t>
+            </a:r>
+          </a:p>
+        </p:txBody>
+      </p:sp>
     </p:spTree>
     <p:extLst>
       <p:ext uri="{BB962C8B-B14F-4D97-AF65-F5344CB8AC3E}">

--- a/Day-21-part-2/ccna-notes-ppt.pptx
+++ b/Day-21-part-2/ccna-notes-ppt.pptx
@@ -3898,6 +3898,84 @@
           <a:chExt cx="0" cy="0"/>
         </a:xfrm>
       </p:grpSpPr>
+      <p:pic>
+        <p:nvPicPr>
+          <p:cNvPr id="3" name="Picture 2">
+            <a:extLst>
+              <a:ext uri="{FF2B5EF4-FFF2-40B4-BE49-F238E27FC236}">
+                <a16:creationId xmlns:a16="http://schemas.microsoft.com/office/drawing/2014/main" id="{6622129F-7F1F-ECF9-A817-3319E69FBAFA}"/>
+              </a:ext>
+            </a:extLst>
+          </p:cNvPr>
+          <p:cNvPicPr>
+            <a:picLocks noChangeAspect="1"/>
+          </p:cNvPicPr>
+          <p:nvPr/>
+        </p:nvPicPr>
+        <p:blipFill>
+          <a:blip r:embed="rId2"/>
+          <a:stretch>
+            <a:fillRect/>
+          </a:stretch>
+        </p:blipFill>
+        <p:spPr>
+          <a:xfrm>
+            <a:off x="178557" y="87340"/>
+            <a:ext cx="11834886" cy="6683319"/>
+          </a:xfrm>
+          <a:prstGeom prst="rect">
+            <a:avLst/>
+          </a:prstGeom>
+        </p:spPr>
+      </p:pic>
+      <p:sp>
+        <p:nvSpPr>
+          <p:cNvPr id="4" name="Rectangle 3">
+            <a:extLst>
+              <a:ext uri="{FF2B5EF4-FFF2-40B4-BE49-F238E27FC236}">
+                <a16:creationId xmlns:a16="http://schemas.microsoft.com/office/drawing/2014/main" id="{CFC0BAE0-9EED-74F0-6A4B-6ECC981194AD}"/>
+              </a:ext>
+            </a:extLst>
+          </p:cNvPr>
+          <p:cNvSpPr/>
+          <p:nvPr/>
+        </p:nvSpPr>
+        <p:spPr>
+          <a:xfrm>
+            <a:off x="5264509" y="5934670"/>
+            <a:ext cx="1492716" cy="923330"/>
+          </a:xfrm>
+          <a:prstGeom prst="rect">
+            <a:avLst/>
+          </a:prstGeom>
+          <a:noFill/>
+        </p:spPr>
+        <p:txBody>
+          <a:bodyPr wrap="none" lIns="91440" tIns="45720" rIns="91440" bIns="45720">
+            <a:spAutoFit/>
+          </a:bodyPr>
+          <a:lstStyle/>
+          <a:p>
+            <a:pPr algn="ctr"/>
+            <a:r>
+              <a:rPr lang="en-US" sz="5400" b="0" cap="none" spc="0" dirty="0">
+                <a:ln w="0"/>
+                <a:solidFill>
+                  <a:schemeClr val="tx1"/>
+                </a:solidFill>
+                <a:effectLst>
+                  <a:outerShdw blurRad="38100" dist="19050" dir="2700000" algn="tl" rotWithShape="0">
+                    <a:schemeClr val="dk1">
+                      <a:alpha val="40000"/>
+                    </a:schemeClr>
+                  </a:outerShdw>
+                </a:effectLst>
+              </a:rPr>
+              <a:t>7:23</a:t>
+            </a:r>
+          </a:p>
+        </p:txBody>
+      </p:sp>
     </p:spTree>
     <p:extLst>
       <p:ext uri="{BB962C8B-B14F-4D97-AF65-F5344CB8AC3E}">
